--- a/Term Deposit Prediction.pptx
+++ b/Term Deposit Prediction.pptx
@@ -8,20 +8,21 @@
     <p:sldId id="256" r:id="rId2"/>
     <p:sldId id="257" r:id="rId3"/>
     <p:sldId id="259" r:id="rId4"/>
-    <p:sldId id="258" r:id="rId5"/>
-    <p:sldId id="273" r:id="rId6"/>
-    <p:sldId id="261" r:id="rId7"/>
-    <p:sldId id="260" r:id="rId8"/>
-    <p:sldId id="262" r:id="rId9"/>
-    <p:sldId id="263" r:id="rId10"/>
-    <p:sldId id="264" r:id="rId11"/>
-    <p:sldId id="266" r:id="rId12"/>
-    <p:sldId id="265" r:id="rId13"/>
-    <p:sldId id="267" r:id="rId14"/>
-    <p:sldId id="268" r:id="rId15"/>
-    <p:sldId id="271" r:id="rId16"/>
-    <p:sldId id="274" r:id="rId17"/>
-    <p:sldId id="272" r:id="rId18"/>
+    <p:sldId id="275" r:id="rId5"/>
+    <p:sldId id="258" r:id="rId6"/>
+    <p:sldId id="273" r:id="rId7"/>
+    <p:sldId id="261" r:id="rId8"/>
+    <p:sldId id="260" r:id="rId9"/>
+    <p:sldId id="262" r:id="rId10"/>
+    <p:sldId id="263" r:id="rId11"/>
+    <p:sldId id="264" r:id="rId12"/>
+    <p:sldId id="266" r:id="rId13"/>
+    <p:sldId id="265" r:id="rId14"/>
+    <p:sldId id="267" r:id="rId15"/>
+    <p:sldId id="268" r:id="rId16"/>
+    <p:sldId id="271" r:id="rId17"/>
+    <p:sldId id="274" r:id="rId18"/>
+    <p:sldId id="272" r:id="rId19"/>
   </p:sldIdLst>
   <p:sldSz cx="12192000" cy="6858000"/>
   <p:notesSz cx="6858000" cy="9144000"/>
@@ -120,6 +121,11 @@
       </a:defRPr>
     </a:lvl9pPr>
   </p:defaultTextStyle>
+  <p:extLst>
+    <p:ext uri="{EFAFB233-063F-42B5-8137-9DF3F51BA10A}">
+      <p15:sldGuideLst xmlns:p15="http://schemas.microsoft.com/office/powerpoint/2012/main"/>
+    </p:ext>
+  </p:extLst>
 </p:presentation>
 </file>
 
@@ -3065,7 +3071,7 @@
           <a:p>
             <a:fld id="{ACF6C67E-288B-4067-ABD9-E68528692CF4}" type="datetimeFigureOut">
               <a:rPr lang="en-US" smtClean="0"/>
-              <a:t>9/11/2023</a:t>
+              <a:t>9/14/2023</a:t>
             </a:fld>
             <a:endParaRPr lang="en-US"/>
           </a:p>
@@ -3263,7 +3269,7 @@
           <a:p>
             <a:fld id="{ACF6C67E-288B-4067-ABD9-E68528692CF4}" type="datetimeFigureOut">
               <a:rPr lang="en-US" smtClean="0"/>
-              <a:t>9/11/2023</a:t>
+              <a:t>9/14/2023</a:t>
             </a:fld>
             <a:endParaRPr lang="en-US"/>
           </a:p>
@@ -3471,7 +3477,7 @@
           <a:p>
             <a:fld id="{ACF6C67E-288B-4067-ABD9-E68528692CF4}" type="datetimeFigureOut">
               <a:rPr lang="en-US" smtClean="0"/>
-              <a:t>9/11/2023</a:t>
+              <a:t>9/14/2023</a:t>
             </a:fld>
             <a:endParaRPr lang="en-US"/>
           </a:p>
@@ -3669,7 +3675,7 @@
           <a:p>
             <a:fld id="{ACF6C67E-288B-4067-ABD9-E68528692CF4}" type="datetimeFigureOut">
               <a:rPr lang="en-US" smtClean="0"/>
-              <a:t>9/11/2023</a:t>
+              <a:t>9/14/2023</a:t>
             </a:fld>
             <a:endParaRPr lang="en-US"/>
           </a:p>
@@ -3944,7 +3950,7 @@
           <a:p>
             <a:fld id="{ACF6C67E-288B-4067-ABD9-E68528692CF4}" type="datetimeFigureOut">
               <a:rPr lang="en-US" smtClean="0"/>
-              <a:t>9/11/2023</a:t>
+              <a:t>9/14/2023</a:t>
             </a:fld>
             <a:endParaRPr lang="en-US"/>
           </a:p>
@@ -4209,7 +4215,7 @@
           <a:p>
             <a:fld id="{ACF6C67E-288B-4067-ABD9-E68528692CF4}" type="datetimeFigureOut">
               <a:rPr lang="en-US" smtClean="0"/>
-              <a:t>9/11/2023</a:t>
+              <a:t>9/14/2023</a:t>
             </a:fld>
             <a:endParaRPr lang="en-US"/>
           </a:p>
@@ -4621,7 +4627,7 @@
           <a:p>
             <a:fld id="{ACF6C67E-288B-4067-ABD9-E68528692CF4}" type="datetimeFigureOut">
               <a:rPr lang="en-US" smtClean="0"/>
-              <a:t>9/11/2023</a:t>
+              <a:t>9/14/2023</a:t>
             </a:fld>
             <a:endParaRPr lang="en-US"/>
           </a:p>
@@ -4762,7 +4768,7 @@
           <a:p>
             <a:fld id="{ACF6C67E-288B-4067-ABD9-E68528692CF4}" type="datetimeFigureOut">
               <a:rPr lang="en-US" smtClean="0"/>
-              <a:t>9/11/2023</a:t>
+              <a:t>9/14/2023</a:t>
             </a:fld>
             <a:endParaRPr lang="en-US"/>
           </a:p>
@@ -4875,7 +4881,7 @@
           <a:p>
             <a:fld id="{ACF6C67E-288B-4067-ABD9-E68528692CF4}" type="datetimeFigureOut">
               <a:rPr lang="en-US" smtClean="0"/>
-              <a:t>9/11/2023</a:t>
+              <a:t>9/14/2023</a:t>
             </a:fld>
             <a:endParaRPr lang="en-US"/>
           </a:p>
@@ -5186,7 +5192,7 @@
           <a:p>
             <a:fld id="{ACF6C67E-288B-4067-ABD9-E68528692CF4}" type="datetimeFigureOut">
               <a:rPr lang="en-US" smtClean="0"/>
-              <a:t>9/11/2023</a:t>
+              <a:t>9/14/2023</a:t>
             </a:fld>
             <a:endParaRPr lang="en-US"/>
           </a:p>
@@ -5474,7 +5480,7 @@
           <a:p>
             <a:fld id="{ACF6C67E-288B-4067-ABD9-E68528692CF4}" type="datetimeFigureOut">
               <a:rPr lang="en-US" smtClean="0"/>
-              <a:t>9/11/2023</a:t>
+              <a:t>9/14/2023</a:t>
             </a:fld>
             <a:endParaRPr lang="en-US"/>
           </a:p>
@@ -5715,7 +5721,7 @@
           <a:p>
             <a:fld id="{ACF6C67E-288B-4067-ABD9-E68528692CF4}" type="datetimeFigureOut">
               <a:rPr lang="en-US" smtClean="0"/>
-              <a:t>9/11/2023</a:t>
+              <a:t>9/14/2023</a:t>
             </a:fld>
             <a:endParaRPr lang="en-US"/>
           </a:p>
@@ -6583,6 +6589,498 @@
       </p:grpSpPr>
       <p:sp useBgFill="1">
         <p:nvSpPr>
+          <p:cNvPr id="8" name="Rectangle 7">
+            <a:extLst>
+              <a:ext uri="{FF2B5EF4-FFF2-40B4-BE49-F238E27FC236}">
+                <a16:creationId xmlns:a16="http://schemas.microsoft.com/office/drawing/2014/main" id="{ABC4E351-C4D0-4D23-BEA8-3136F7E47D75}"/>
+              </a:ext>
+              <a:ext uri="{C183D7F6-B498-43B3-948B-1728B52AA6E4}">
+                <adec:decorative xmlns:adec="http://schemas.microsoft.com/office/drawing/2017/decorative" val="1"/>
+              </a:ext>
+            </a:extLst>
+          </p:cNvPr>
+          <p:cNvSpPr>
+            <a:spLocks noGrp="1" noRot="1" noChangeAspect="1" noMove="1" noResize="1" noEditPoints="1" noAdjustHandles="1" noChangeArrowheads="1" noChangeShapeType="1" noTextEdit="1"/>
+          </p:cNvSpPr>
+          <p:nvPr>
+            <p:extLst>
+              <p:ext uri="{386F3935-93C4-4BCD-93E2-E3B085C9AB24}">
+                <p16:designElem xmlns:p16="http://schemas.microsoft.com/office/powerpoint/2015/main" val="1"/>
+              </p:ext>
+            </p:extLst>
+          </p:nvPr>
+        </p:nvSpPr>
+        <p:spPr>
+          <a:xfrm>
+            <a:off x="0" y="0"/>
+            <a:ext cx="12192000" cy="6858000"/>
+          </a:xfrm>
+          <a:prstGeom prst="rect">
+            <a:avLst/>
+          </a:prstGeom>
+          <a:ln w="12700" cap="flat" cmpd="sng" algn="ctr">
+            <a:noFill/>
+            <a:prstDash val="solid"/>
+            <a:miter lim="800000"/>
+          </a:ln>
+          <a:effectLst/>
+          <a:extLst>
+            <a:ext uri="{91240B29-F687-4F45-9708-019B960494DF}">
+              <a14:hiddenLine xmlns:a14="http://schemas.microsoft.com/office/drawing/2010/main" w="12700" cap="flat" cmpd="sng" algn="ctr">
+                <a:solidFill>
+                  <a:schemeClr val="accent1">
+                    <a:shade val="50000"/>
+                  </a:schemeClr>
+                </a:solidFill>
+                <a:prstDash val="solid"/>
+                <a:miter lim="800000"/>
+              </a14:hiddenLine>
+            </a:ext>
+          </a:extLst>
+        </p:spPr>
+        <p:style>
+          <a:lnRef idx="2">
+            <a:schemeClr val="accent1">
+              <a:shade val="50000"/>
+            </a:schemeClr>
+          </a:lnRef>
+          <a:fillRef idx="1">
+            <a:schemeClr val="accent1"/>
+          </a:fillRef>
+          <a:effectRef idx="0">
+            <a:schemeClr val="accent1"/>
+          </a:effectRef>
+          <a:fontRef idx="minor">
+            <a:schemeClr val="lt1"/>
+          </a:fontRef>
+        </p:style>
+        <p:txBody>
+          <a:bodyPr rtlCol="0" anchor="ctr"/>
+          <a:lstStyle/>
+          <a:p>
+            <a:pPr algn="ctr"/>
+            <a:endParaRPr lang="en-US"/>
+          </a:p>
+        </p:txBody>
+      </p:sp>
+      <p:grpSp>
+        <p:nvGrpSpPr>
+          <p:cNvPr id="10" name="Group 9">
+            <a:extLst>
+              <a:ext uri="{FF2B5EF4-FFF2-40B4-BE49-F238E27FC236}">
+                <a16:creationId xmlns:a16="http://schemas.microsoft.com/office/drawing/2014/main" id="{B2D95578-3010-40A8-9EE1-D6D43C23301A}"/>
+              </a:ext>
+              <a:ext uri="{C183D7F6-B498-43B3-948B-1728B52AA6E4}">
+                <adec:decorative xmlns:adec="http://schemas.microsoft.com/office/drawing/2017/decorative" val="1"/>
+              </a:ext>
+            </a:extLst>
+          </p:cNvPr>
+          <p:cNvGrpSpPr>
+            <a:grpSpLocks noGrp="1" noUngrp="1" noRot="1" noChangeAspect="1" noMove="1" noResize="1"/>
+          </p:cNvGrpSpPr>
+          <p:nvPr>
+            <p:extLst>
+              <p:ext uri="{386F3935-93C4-4BCD-93E2-E3B085C9AB24}">
+                <p16:designElem xmlns:p16="http://schemas.microsoft.com/office/powerpoint/2015/main" val="1"/>
+              </p:ext>
+            </p:extLst>
+          </p:nvPr>
+        </p:nvGrpSpPr>
+        <p:grpSpPr>
+          <a:xfrm>
+            <a:off x="0" y="0"/>
+            <a:ext cx="12192000" cy="6858000"/>
+            <a:chOff x="0" y="0"/>
+            <a:chExt cx="12192000" cy="6858000"/>
+          </a:xfrm>
+        </p:grpSpPr>
+        <p:sp>
+          <p:nvSpPr>
+            <p:cNvPr id="11" name="Rectangle 10">
+              <a:extLst>
+                <a:ext uri="{FF2B5EF4-FFF2-40B4-BE49-F238E27FC236}">
+                  <a16:creationId xmlns:a16="http://schemas.microsoft.com/office/drawing/2014/main" id="{32A4E3E5-F2E4-4F3C-85FD-5523DEF573EA}"/>
+                </a:ext>
+                <a:ext uri="{C183D7F6-B498-43B3-948B-1728B52AA6E4}">
+                  <adec:decorative xmlns:adec="http://schemas.microsoft.com/office/drawing/2017/decorative" val="1"/>
+                </a:ext>
+              </a:extLst>
+            </p:cNvPr>
+            <p:cNvSpPr/>
+            <p:nvPr>
+              <p:extLst>
+                <p:ext uri="{386F3935-93C4-4BCD-93E2-E3B085C9AB24}">
+                  <p16:designElem xmlns:p16="http://schemas.microsoft.com/office/powerpoint/2015/main" val="1"/>
+                </p:ext>
+              </p:extLst>
+            </p:nvPr>
+          </p:nvSpPr>
+          <p:spPr>
+            <a:xfrm>
+              <a:off x="0" y="0"/>
+              <a:ext cx="12192000" cy="6858000"/>
+            </a:xfrm>
+            <a:prstGeom prst="rect">
+              <a:avLst/>
+            </a:prstGeom>
+            <a:solidFill>
+              <a:schemeClr val="bg1">
+                <a:lumMod val="95000"/>
+              </a:schemeClr>
+            </a:solidFill>
+            <a:ln>
+              <a:noFill/>
+            </a:ln>
+          </p:spPr>
+          <p:style>
+            <a:lnRef idx="2">
+              <a:schemeClr val="accent1">
+                <a:shade val="50000"/>
+              </a:schemeClr>
+            </a:lnRef>
+            <a:fillRef idx="1">
+              <a:schemeClr val="accent1"/>
+            </a:fillRef>
+            <a:effectRef idx="0">
+              <a:schemeClr val="accent1"/>
+            </a:effectRef>
+            <a:fontRef idx="minor">
+              <a:schemeClr val="lt1"/>
+            </a:fontRef>
+          </p:style>
+          <p:txBody>
+            <a:bodyPr rtlCol="0" anchor="ctr"/>
+            <a:lstStyle/>
+            <a:p>
+              <a:pPr algn="ctr"/>
+              <a:endParaRPr lang="en-US" dirty="0"/>
+            </a:p>
+          </p:txBody>
+        </p:sp>
+        <p:sp>
+          <p:nvSpPr>
+            <p:cNvPr id="12" name="Rectangle 11">
+              <a:extLst>
+                <a:ext uri="{FF2B5EF4-FFF2-40B4-BE49-F238E27FC236}">
+                  <a16:creationId xmlns:a16="http://schemas.microsoft.com/office/drawing/2014/main" id="{0EE05FDD-CC3B-45C8-9CE2-0C93D863E4A6}"/>
+                </a:ext>
+                <a:ext uri="{C183D7F6-B498-43B3-948B-1728B52AA6E4}">
+                  <adec:decorative xmlns:adec="http://schemas.microsoft.com/office/drawing/2017/decorative" val="1"/>
+                </a:ext>
+              </a:extLst>
+            </p:cNvPr>
+            <p:cNvSpPr/>
+            <p:nvPr>
+              <p:extLst>
+                <p:ext uri="{386F3935-93C4-4BCD-93E2-E3B085C9AB24}">
+                  <p16:designElem xmlns:p16="http://schemas.microsoft.com/office/powerpoint/2015/main" val="1"/>
+                </p:ext>
+              </p:extLst>
+            </p:nvPr>
+          </p:nvSpPr>
+          <p:spPr>
+            <a:xfrm>
+              <a:off x="0" y="0"/>
+              <a:ext cx="12192000" cy="6858000"/>
+            </a:xfrm>
+            <a:prstGeom prst="rect">
+              <a:avLst/>
+            </a:prstGeom>
+            <a:solidFill>
+              <a:schemeClr val="accent4">
+                <a:lumMod val="75000"/>
+                <a:alpha val="7000"/>
+              </a:schemeClr>
+            </a:solidFill>
+            <a:ln>
+              <a:noFill/>
+            </a:ln>
+          </p:spPr>
+          <p:style>
+            <a:lnRef idx="2">
+              <a:schemeClr val="accent1">
+                <a:shade val="50000"/>
+              </a:schemeClr>
+            </a:lnRef>
+            <a:fillRef idx="1">
+              <a:schemeClr val="accent1"/>
+            </a:fillRef>
+            <a:effectRef idx="0">
+              <a:schemeClr val="accent1"/>
+            </a:effectRef>
+            <a:fontRef idx="minor">
+              <a:schemeClr val="lt1"/>
+            </a:fontRef>
+          </p:style>
+          <p:txBody>
+            <a:bodyPr rtlCol="0" anchor="ctr"/>
+            <a:lstStyle/>
+            <a:p>
+              <a:pPr algn="ctr"/>
+              <a:endParaRPr lang="en-US" dirty="0"/>
+            </a:p>
+          </p:txBody>
+        </p:sp>
+      </p:grpSp>
+      <p:sp>
+        <p:nvSpPr>
+          <p:cNvPr id="14" name="Rectangle 13">
+            <a:extLst>
+              <a:ext uri="{FF2B5EF4-FFF2-40B4-BE49-F238E27FC236}">
+                <a16:creationId xmlns:a16="http://schemas.microsoft.com/office/drawing/2014/main" id="{D16CFDC4-DE7D-4153-89C5-608818994740}"/>
+              </a:ext>
+              <a:ext uri="{C183D7F6-B498-43B3-948B-1728B52AA6E4}">
+                <adec:decorative xmlns:adec="http://schemas.microsoft.com/office/drawing/2017/decorative" val="1"/>
+              </a:ext>
+            </a:extLst>
+          </p:cNvPr>
+          <p:cNvSpPr>
+            <a:spLocks noGrp="1" noRot="1" noChangeAspect="1" noMove="1" noResize="1" noEditPoints="1" noAdjustHandles="1" noChangeArrowheads="1" noChangeShapeType="1" noTextEdit="1"/>
+          </p:cNvSpPr>
+          <p:nvPr>
+            <p:extLst>
+              <p:ext uri="{386F3935-93C4-4BCD-93E2-E3B085C9AB24}">
+                <p16:designElem xmlns:p16="http://schemas.microsoft.com/office/powerpoint/2015/main" val="1"/>
+              </p:ext>
+            </p:extLst>
+          </p:nvPr>
+        </p:nvSpPr>
+        <p:spPr>
+          <a:xfrm flipH="1" flipV="1">
+            <a:off x="2279650" y="-7"/>
+            <a:ext cx="9909174" cy="6857997"/>
+          </a:xfrm>
+          <a:prstGeom prst="rect">
+            <a:avLst/>
+          </a:prstGeom>
+          <a:solidFill>
+            <a:schemeClr val="bg1">
+              <a:alpha val="80000"/>
+            </a:schemeClr>
+          </a:solidFill>
+          <a:ln>
+            <a:noFill/>
+          </a:ln>
+        </p:spPr>
+        <p:style>
+          <a:lnRef idx="2">
+            <a:schemeClr val="accent1">
+              <a:shade val="50000"/>
+            </a:schemeClr>
+          </a:lnRef>
+          <a:fillRef idx="1">
+            <a:schemeClr val="accent1"/>
+          </a:fillRef>
+          <a:effectRef idx="0">
+            <a:schemeClr val="accent1"/>
+          </a:effectRef>
+          <a:fontRef idx="minor">
+            <a:schemeClr val="lt1"/>
+          </a:fontRef>
+        </p:style>
+        <p:txBody>
+          <a:bodyPr rot="0" spcFirstLastPara="0" vertOverflow="overflow" horzOverflow="overflow" vert="horz" wrap="square" lIns="91440" tIns="45720" rIns="91440" bIns="45720" numCol="1" spcCol="0" rtlCol="0" fromWordArt="0" anchor="ctr" anchorCtr="0" forceAA="0" compatLnSpc="1">
+            <a:prstTxWarp prst="textNoShape">
+              <a:avLst/>
+            </a:prstTxWarp>
+            <a:noAutofit/>
+          </a:bodyPr>
+          <a:lstStyle/>
+          <a:p>
+            <a:pPr algn="ctr"/>
+            <a:endParaRPr lang="en-US">
+              <a:solidFill>
+                <a:schemeClr val="tx1"/>
+              </a:solidFill>
+            </a:endParaRPr>
+          </a:p>
+        </p:txBody>
+      </p:sp>
+      <p:sp>
+        <p:nvSpPr>
+          <p:cNvPr id="2" name="Title 1">
+            <a:extLst>
+              <a:ext uri="{FF2B5EF4-FFF2-40B4-BE49-F238E27FC236}">
+                <a16:creationId xmlns:a16="http://schemas.microsoft.com/office/drawing/2014/main" id="{95B03D47-9AD8-B54B-7936-FEB9DABFCFBA}"/>
+              </a:ext>
+            </a:extLst>
+          </p:cNvPr>
+          <p:cNvSpPr>
+            <a:spLocks noGrp="1"/>
+          </p:cNvSpPr>
+          <p:nvPr>
+            <p:ph type="title"/>
+          </p:nvPr>
+        </p:nvSpPr>
+        <p:spPr>
+          <a:xfrm>
+            <a:off x="2852737" y="1001484"/>
+            <a:ext cx="6483351" cy="843191"/>
+          </a:xfrm>
+        </p:spPr>
+        <p:txBody>
+          <a:bodyPr anchor="t">
+            <a:normAutofit/>
+          </a:bodyPr>
+          <a:lstStyle/>
+          <a:p>
+            <a:r>
+              <a:rPr lang="en-US" sz="2200"/>
+              <a:t>Preprocessing</a:t>
+            </a:r>
+          </a:p>
+        </p:txBody>
+      </p:sp>
+      <p:sp>
+        <p:nvSpPr>
+          <p:cNvPr id="3" name="Content Placeholder 2">
+            <a:extLst>
+              <a:ext uri="{FF2B5EF4-FFF2-40B4-BE49-F238E27FC236}">
+                <a16:creationId xmlns:a16="http://schemas.microsoft.com/office/drawing/2014/main" id="{CE0ECC63-8D0E-8A17-9F91-BA0B525DF6C9}"/>
+              </a:ext>
+            </a:extLst>
+          </p:cNvPr>
+          <p:cNvSpPr>
+            <a:spLocks noGrp="1"/>
+          </p:cNvSpPr>
+          <p:nvPr>
+            <p:ph idx="1"/>
+          </p:nvPr>
+        </p:nvSpPr>
+        <p:spPr>
+          <a:xfrm>
+            <a:off x="2855913" y="2300513"/>
+            <a:ext cx="6480175" cy="3526973"/>
+          </a:xfrm>
+        </p:spPr>
+        <p:txBody>
+          <a:bodyPr anchor="t">
+            <a:normAutofit/>
+          </a:bodyPr>
+          <a:lstStyle/>
+          <a:p>
+            <a:r>
+              <a:rPr lang="en-US" sz="2000">
+                <a:solidFill>
+                  <a:schemeClr val="tx1">
+                    <a:alpha val="60000"/>
+                  </a:schemeClr>
+                </a:solidFill>
+              </a:rPr>
+              <a:t>Feature Selection</a:t>
+            </a:r>
+          </a:p>
+          <a:p>
+            <a:r>
+              <a:rPr lang="en-US" sz="2000">
+                <a:solidFill>
+                  <a:schemeClr val="tx1">
+                    <a:alpha val="60000"/>
+                  </a:schemeClr>
+                </a:solidFill>
+              </a:rPr>
+              <a:t>Splitting Data into X and y</a:t>
+            </a:r>
+          </a:p>
+          <a:p>
+            <a:r>
+              <a:rPr lang="en-US" sz="2000">
+                <a:solidFill>
+                  <a:schemeClr val="tx1">
+                    <a:alpha val="60000"/>
+                  </a:schemeClr>
+                </a:solidFill>
+              </a:rPr>
+              <a:t>Oversampling</a:t>
+            </a:r>
+          </a:p>
+          <a:p>
+            <a:r>
+              <a:rPr lang="en-US" sz="2000">
+                <a:solidFill>
+                  <a:schemeClr val="tx1">
+                    <a:alpha val="60000"/>
+                  </a:schemeClr>
+                </a:solidFill>
+              </a:rPr>
+              <a:t>Splitting dataset into numerical and categorical</a:t>
+            </a:r>
+          </a:p>
+          <a:p>
+            <a:r>
+              <a:rPr lang="en-US" sz="2000">
+                <a:solidFill>
+                  <a:schemeClr val="tx1">
+                    <a:alpha val="60000"/>
+                  </a:schemeClr>
+                </a:solidFill>
+              </a:rPr>
+              <a:t>Feature Scaling</a:t>
+            </a:r>
+          </a:p>
+          <a:p>
+            <a:r>
+              <a:rPr lang="en-US" sz="2000">
+                <a:solidFill>
+                  <a:schemeClr val="tx1">
+                    <a:alpha val="60000"/>
+                  </a:schemeClr>
+                </a:solidFill>
+              </a:rPr>
+              <a:t>Feature Encoding</a:t>
+            </a:r>
+          </a:p>
+          <a:p>
+            <a:endParaRPr lang="en-US" sz="2000">
+              <a:solidFill>
+                <a:schemeClr val="tx1">
+                  <a:alpha val="60000"/>
+                </a:schemeClr>
+              </a:solidFill>
+            </a:endParaRPr>
+          </a:p>
+        </p:txBody>
+      </p:sp>
+    </p:spTree>
+    <p:extLst>
+      <p:ext uri="{BB962C8B-B14F-4D97-AF65-F5344CB8AC3E}">
+        <p14:creationId xmlns:p14="http://schemas.microsoft.com/office/powerpoint/2010/main" val="1306584012"/>
+      </p:ext>
+    </p:extLst>
+  </p:cSld>
+  <p:clrMapOvr>
+    <a:masterClrMapping/>
+  </p:clrMapOvr>
+</p:sld>
+</file>
+
+<file path=ppt/slides/slide11.xml><?xml version="1.0" encoding="utf-8"?>
+<p:sld xmlns:a="http://schemas.openxmlformats.org/drawingml/2006/main" xmlns:r="http://schemas.openxmlformats.org/officeDocument/2006/relationships" xmlns:p="http://schemas.openxmlformats.org/presentationml/2006/main">
+  <p:cSld>
+    <p:bg>
+      <p:bgPr>
+        <a:solidFill>
+          <a:schemeClr val="bg1"/>
+        </a:solidFill>
+        <a:effectLst/>
+      </p:bgPr>
+    </p:bg>
+    <p:spTree>
+      <p:nvGrpSpPr>
+        <p:cNvPr id="1" name=""/>
+        <p:cNvGrpSpPr/>
+        <p:nvPr/>
+      </p:nvGrpSpPr>
+      <p:grpSpPr>
+        <a:xfrm>
+          <a:off x="0" y="0"/>
+          <a:ext cx="0" cy="0"/>
+          <a:chOff x="0" y="0"/>
+          <a:chExt cx="0" cy="0"/>
+        </a:xfrm>
+      </p:grpSpPr>
+      <p:sp useBgFill="1">
+        <p:nvSpPr>
           <p:cNvPr id="16" name="Rectangle 7">
             <a:extLst>
               <a:ext uri="{FF2B5EF4-FFF2-40B4-BE49-F238E27FC236}">
@@ -7054,7 +7552,7 @@
 </p:sld>
 </file>
 
-<file path=ppt/slides/slide11.xml><?xml version="1.0" encoding="utf-8"?>
+<file path=ppt/slides/slide12.xml><?xml version="1.0" encoding="utf-8"?>
 <p:sld xmlns:a="http://schemas.openxmlformats.org/drawingml/2006/main" xmlns:r="http://schemas.openxmlformats.org/officeDocument/2006/relationships" xmlns:p="http://schemas.openxmlformats.org/presentationml/2006/main">
   <p:cSld>
     <p:bg>
@@ -7345,7 +7843,7 @@
 </p:sld>
 </file>
 
-<file path=ppt/slides/slide12.xml><?xml version="1.0" encoding="utf-8"?>
+<file path=ppt/slides/slide13.xml><?xml version="1.0" encoding="utf-8"?>
 <p:sld xmlns:a="http://schemas.openxmlformats.org/drawingml/2006/main" xmlns:r="http://schemas.openxmlformats.org/officeDocument/2006/relationships" xmlns:p="http://schemas.openxmlformats.org/presentationml/2006/main">
   <p:cSld>
     <p:bg>
@@ -7621,7 +8119,7 @@
             <p:ph idx="1"/>
             <p:extLst>
               <p:ext uri="{D42A27DB-BD31-4B8C-83A1-F6EECF244321}">
-                <p14:modId xmlns:p14="http://schemas.microsoft.com/office/powerpoint/2010/main" val="281409534"/>
+                <p14:modId xmlns:p14="http://schemas.microsoft.com/office/powerpoint/2010/main" val="2359273368"/>
               </p:ext>
             </p:extLst>
           </p:nvPr>
@@ -7855,12 +8353,12 @@
                     <a:lstStyle/>
                     <a:p>
                       <a:r>
-                        <a:rPr lang="en-US" sz="2500" cap="none" spc="0">
+                        <a:rPr lang="en-US" sz="2500" cap="none" spc="0" dirty="0">
                           <a:solidFill>
                             <a:schemeClr val="tx1"/>
                           </a:solidFill>
                         </a:rPr>
-                        <a:t>0.90</a:t>
+                        <a:t>0.86</a:t>
                       </a:r>
                     </a:p>
                   </a:txBody>
@@ -7936,7 +8434,7 @@
                     <a:lstStyle/>
                     <a:p>
                       <a:r>
-                        <a:rPr lang="en-US" sz="2500" cap="none" spc="0">
+                        <a:rPr lang="en-US" sz="2500" cap="none" spc="0" dirty="0">
                           <a:solidFill>
                             <a:schemeClr val="tx1"/>
                           </a:solidFill>
@@ -7988,7 +8486,7 @@
 </p:sld>
 </file>
 
-<file path=ppt/slides/slide13.xml><?xml version="1.0" encoding="utf-8"?>
+<file path=ppt/slides/slide14.xml><?xml version="1.0" encoding="utf-8"?>
 <p:sld xmlns:a="http://schemas.openxmlformats.org/drawingml/2006/main" xmlns:r="http://schemas.openxmlformats.org/officeDocument/2006/relationships" xmlns:p="http://schemas.openxmlformats.org/presentationml/2006/main">
   <p:cSld>
     <p:bg>
@@ -8752,7 +9250,7 @@
 </p:sld>
 </file>
 
-<file path=ppt/slides/slide14.xml><?xml version="1.0" encoding="utf-8"?>
+<file path=ppt/slides/slide15.xml><?xml version="1.0" encoding="utf-8"?>
 <p:sld xmlns:a="http://schemas.openxmlformats.org/drawingml/2006/main" xmlns:r="http://schemas.openxmlformats.org/officeDocument/2006/relationships" xmlns:p="http://schemas.openxmlformats.org/presentationml/2006/main">
   <p:cSld>
     <p:bg>
@@ -9043,7 +9541,7 @@
 </p:sld>
 </file>
 
-<file path=ppt/slides/slide15.xml><?xml version="1.0" encoding="utf-8"?>
+<file path=ppt/slides/slide16.xml><?xml version="1.0" encoding="utf-8"?>
 <p:sld xmlns:a="http://schemas.openxmlformats.org/drawingml/2006/main" xmlns:r="http://schemas.openxmlformats.org/officeDocument/2006/relationships" xmlns:p="http://schemas.openxmlformats.org/presentationml/2006/main">
   <p:cSld>
     <p:bg>
@@ -9319,7 +9817,7 @@
             <p:ph idx="1"/>
             <p:extLst>
               <p:ext uri="{D42A27DB-BD31-4B8C-83A1-F6EECF244321}">
-                <p14:modId xmlns:p14="http://schemas.microsoft.com/office/powerpoint/2010/main" val="1061966565"/>
+                <p14:modId xmlns:p14="http://schemas.microsoft.com/office/powerpoint/2010/main" val="1891511849"/>
               </p:ext>
             </p:extLst>
           </p:nvPr>
@@ -9588,12 +10086,12 @@
                     <a:lstStyle/>
                     <a:p>
                       <a:r>
-                        <a:rPr lang="en-US" sz="3300" cap="none" spc="0">
+                        <a:rPr lang="en-US" sz="3300" cap="none" spc="0" dirty="0">
                           <a:solidFill>
                             <a:schemeClr val="tx1"/>
                           </a:solidFill>
                         </a:rPr>
-                        <a:t>0.90</a:t>
+                        <a:t>0.86</a:t>
                       </a:r>
                     </a:p>
                   </a:txBody>
@@ -9694,7 +10192,7 @@
                     <a:lstStyle/>
                     <a:p>
                       <a:r>
-                        <a:rPr lang="en-US" sz="3300" cap="none" spc="0">
+                        <a:rPr lang="en-US" sz="3300" cap="none" spc="0" dirty="0">
                           <a:solidFill>
                             <a:schemeClr val="tx1"/>
                           </a:solidFill>
@@ -9757,7 +10255,7 @@
 </p:sld>
 </file>
 
-<file path=ppt/slides/slide16.xml><?xml version="1.0" encoding="utf-8"?>
+<file path=ppt/slides/slide17.xml><?xml version="1.0" encoding="utf-8"?>
 <p:sld xmlns:a="http://schemas.openxmlformats.org/drawingml/2006/main" xmlns:r="http://schemas.openxmlformats.org/officeDocument/2006/relationships" xmlns:p="http://schemas.openxmlformats.org/presentationml/2006/main">
   <p:cSld>
     <p:bg>
@@ -10146,7 +10644,7 @@
 </p:sld>
 </file>
 
-<file path=ppt/slides/slide17.xml><?xml version="1.0" encoding="utf-8"?>
+<file path=ppt/slides/slide18.xml><?xml version="1.0" encoding="utf-8"?>
 <p:sld xmlns:a="http://schemas.openxmlformats.org/drawingml/2006/main" xmlns:r="http://schemas.openxmlformats.org/officeDocument/2006/relationships" xmlns:p="http://schemas.openxmlformats.org/presentationml/2006/main">
   <p:cSld>
     <p:bg>
@@ -11243,6 +11741,230 @@
 </file>
 
 <file path=ppt/slides/slide4.xml><?xml version="1.0" encoding="utf-8"?>
+<p:sld xmlns:a="http://schemas.openxmlformats.org/drawingml/2006/main" xmlns:r="http://schemas.openxmlformats.org/officeDocument/2006/relationships" xmlns:p="http://schemas.openxmlformats.org/presentationml/2006/main">
+  <p:cSld>
+    <p:bg>
+      <p:bgPr>
+        <a:solidFill>
+          <a:schemeClr val="bg1"/>
+        </a:solidFill>
+        <a:effectLst/>
+      </p:bgPr>
+    </p:bg>
+    <p:spTree>
+      <p:nvGrpSpPr>
+        <p:cNvPr id="1" name=""/>
+        <p:cNvGrpSpPr/>
+        <p:nvPr/>
+      </p:nvGrpSpPr>
+      <p:grpSpPr>
+        <a:xfrm>
+          <a:off x="0" y="0"/>
+          <a:ext cx="0" cy="0"/>
+          <a:chOff x="0" y="0"/>
+          <a:chExt cx="0" cy="0"/>
+        </a:xfrm>
+      </p:grpSpPr>
+      <p:sp>
+        <p:nvSpPr>
+          <p:cNvPr id="10" name="Rectangle 9">
+            <a:extLst>
+              <a:ext uri="{FF2B5EF4-FFF2-40B4-BE49-F238E27FC236}">
+                <a16:creationId xmlns:a16="http://schemas.microsoft.com/office/drawing/2014/main" id="{42A4FC2C-047E-45A5-965D-8E1E3BF09BC6}"/>
+              </a:ext>
+              <a:ext uri="{C183D7F6-B498-43B3-948B-1728B52AA6E4}">
+                <adec:decorative xmlns:adec="http://schemas.microsoft.com/office/drawing/2017/decorative" val="1"/>
+              </a:ext>
+            </a:extLst>
+          </p:cNvPr>
+          <p:cNvSpPr>
+            <a:spLocks noGrp="1" noRot="1" noChangeAspect="1" noMove="1" noResize="1" noEditPoints="1" noAdjustHandles="1" noChangeArrowheads="1" noChangeShapeType="1" noTextEdit="1"/>
+          </p:cNvSpPr>
+          <p:nvPr>
+            <p:extLst>
+              <p:ext uri="{386F3935-93C4-4BCD-93E2-E3B085C9AB24}">
+                <p16:designElem xmlns:p16="http://schemas.microsoft.com/office/powerpoint/2015/main" val="1"/>
+              </p:ext>
+            </p:extLst>
+          </p:nvPr>
+        </p:nvSpPr>
+        <p:spPr bwMode="white">
+          <a:xfrm>
+            <a:off x="1524" y="0"/>
+            <a:ext cx="12188952" cy="6858000"/>
+          </a:xfrm>
+          <a:prstGeom prst="rect">
+            <a:avLst/>
+          </a:prstGeom>
+          <a:noFill/>
+          <a:ln>
+            <a:noFill/>
+          </a:ln>
+        </p:spPr>
+        <p:style>
+          <a:lnRef idx="2">
+            <a:schemeClr val="accent1">
+              <a:shade val="50000"/>
+            </a:schemeClr>
+          </a:lnRef>
+          <a:fillRef idx="1">
+            <a:schemeClr val="accent1"/>
+          </a:fillRef>
+          <a:effectRef idx="0">
+            <a:schemeClr val="accent1"/>
+          </a:effectRef>
+          <a:fontRef idx="minor">
+            <a:schemeClr val="lt1"/>
+          </a:fontRef>
+        </p:style>
+        <p:txBody>
+          <a:bodyPr rtlCol="0" anchor="ctr"/>
+          <a:lstStyle>
+            <a:defPPr>
+              <a:defRPr lang="en-US"/>
+            </a:defPPr>
+            <a:lvl1pPr marL="0" algn="l" defTabSz="914400" rtl="0" eaLnBrk="1" latinLnBrk="0" hangingPunct="1">
+              <a:defRPr sz="1800" kern="1200">
+                <a:solidFill>
+                  <a:schemeClr val="lt1"/>
+                </a:solidFill>
+                <a:latin typeface="+mn-lt"/>
+                <a:ea typeface="+mn-ea"/>
+                <a:cs typeface="+mn-cs"/>
+              </a:defRPr>
+            </a:lvl1pPr>
+            <a:lvl2pPr marL="457200" algn="l" defTabSz="914400" rtl="0" eaLnBrk="1" latinLnBrk="0" hangingPunct="1">
+              <a:defRPr sz="1800" kern="1200">
+                <a:solidFill>
+                  <a:schemeClr val="lt1"/>
+                </a:solidFill>
+                <a:latin typeface="+mn-lt"/>
+                <a:ea typeface="+mn-ea"/>
+                <a:cs typeface="+mn-cs"/>
+              </a:defRPr>
+            </a:lvl2pPr>
+            <a:lvl3pPr marL="914400" algn="l" defTabSz="914400" rtl="0" eaLnBrk="1" latinLnBrk="0" hangingPunct="1">
+              <a:defRPr sz="1800" kern="1200">
+                <a:solidFill>
+                  <a:schemeClr val="lt1"/>
+                </a:solidFill>
+                <a:latin typeface="+mn-lt"/>
+                <a:ea typeface="+mn-ea"/>
+                <a:cs typeface="+mn-cs"/>
+              </a:defRPr>
+            </a:lvl3pPr>
+            <a:lvl4pPr marL="1371600" algn="l" defTabSz="914400" rtl="0" eaLnBrk="1" latinLnBrk="0" hangingPunct="1">
+              <a:defRPr sz="1800" kern="1200">
+                <a:solidFill>
+                  <a:schemeClr val="lt1"/>
+                </a:solidFill>
+                <a:latin typeface="+mn-lt"/>
+                <a:ea typeface="+mn-ea"/>
+                <a:cs typeface="+mn-cs"/>
+              </a:defRPr>
+            </a:lvl4pPr>
+            <a:lvl5pPr marL="1828800" algn="l" defTabSz="914400" rtl="0" eaLnBrk="1" latinLnBrk="0" hangingPunct="1">
+              <a:defRPr sz="1800" kern="1200">
+                <a:solidFill>
+                  <a:schemeClr val="lt1"/>
+                </a:solidFill>
+                <a:latin typeface="+mn-lt"/>
+                <a:ea typeface="+mn-ea"/>
+                <a:cs typeface="+mn-cs"/>
+              </a:defRPr>
+            </a:lvl5pPr>
+            <a:lvl6pPr marL="2286000" algn="l" defTabSz="914400" rtl="0" eaLnBrk="1" latinLnBrk="0" hangingPunct="1">
+              <a:defRPr sz="1800" kern="1200">
+                <a:solidFill>
+                  <a:schemeClr val="lt1"/>
+                </a:solidFill>
+                <a:latin typeface="+mn-lt"/>
+                <a:ea typeface="+mn-ea"/>
+                <a:cs typeface="+mn-cs"/>
+              </a:defRPr>
+            </a:lvl6pPr>
+            <a:lvl7pPr marL="2743200" algn="l" defTabSz="914400" rtl="0" eaLnBrk="1" latinLnBrk="0" hangingPunct="1">
+              <a:defRPr sz="1800" kern="1200">
+                <a:solidFill>
+                  <a:schemeClr val="lt1"/>
+                </a:solidFill>
+                <a:latin typeface="+mn-lt"/>
+                <a:ea typeface="+mn-ea"/>
+                <a:cs typeface="+mn-cs"/>
+              </a:defRPr>
+            </a:lvl7pPr>
+            <a:lvl8pPr marL="3200400" algn="l" defTabSz="914400" rtl="0" eaLnBrk="1" latinLnBrk="0" hangingPunct="1">
+              <a:defRPr sz="1800" kern="1200">
+                <a:solidFill>
+                  <a:schemeClr val="lt1"/>
+                </a:solidFill>
+                <a:latin typeface="+mn-lt"/>
+                <a:ea typeface="+mn-ea"/>
+                <a:cs typeface="+mn-cs"/>
+              </a:defRPr>
+            </a:lvl8pPr>
+            <a:lvl9pPr marL="3657600" algn="l" defTabSz="914400" rtl="0" eaLnBrk="1" latinLnBrk="0" hangingPunct="1">
+              <a:defRPr sz="1800" kern="1200">
+                <a:solidFill>
+                  <a:schemeClr val="lt1"/>
+                </a:solidFill>
+                <a:latin typeface="+mn-lt"/>
+                <a:ea typeface="+mn-ea"/>
+                <a:cs typeface="+mn-cs"/>
+              </a:defRPr>
+            </a:lvl9pPr>
+          </a:lstStyle>
+          <a:p>
+            <a:pPr algn="ctr"/>
+            <a:endParaRPr lang="en-US"/>
+          </a:p>
+        </p:txBody>
+      </p:sp>
+      <p:pic>
+        <p:nvPicPr>
+          <p:cNvPr id="5" name="Content Placeholder 4">
+            <a:extLst>
+              <a:ext uri="{FF2B5EF4-FFF2-40B4-BE49-F238E27FC236}">
+                <a16:creationId xmlns:a16="http://schemas.microsoft.com/office/drawing/2014/main" id="{72A157AD-08AF-9784-E86B-AFEA2DF7D71E}"/>
+              </a:ext>
+            </a:extLst>
+          </p:cNvPr>
+          <p:cNvPicPr>
+            <a:picLocks noGrp="1" noChangeAspect="1"/>
+          </p:cNvPicPr>
+          <p:nvPr>
+            <p:ph idx="1"/>
+          </p:nvPr>
+        </p:nvPicPr>
+        <p:blipFill rotWithShape="1">
+          <a:blip r:embed="rId2"/>
+          <a:srcRect r="3094" b="1"/>
+          <a:stretch/>
+        </p:blipFill>
+        <p:spPr>
+          <a:xfrm>
+            <a:off x="20" y="1282"/>
+            <a:ext cx="12191980" cy="6856718"/>
+          </a:xfrm>
+          <a:prstGeom prst="rect">
+            <a:avLst/>
+          </a:prstGeom>
+        </p:spPr>
+      </p:pic>
+    </p:spTree>
+    <p:extLst>
+      <p:ext uri="{BB962C8B-B14F-4D97-AF65-F5344CB8AC3E}">
+        <p14:creationId xmlns:p14="http://schemas.microsoft.com/office/powerpoint/2010/main" val="1192350221"/>
+      </p:ext>
+    </p:extLst>
+  </p:cSld>
+  <p:clrMapOvr>
+    <a:masterClrMapping/>
+  </p:clrMapOvr>
+</p:sld>
+</file>
+
+<file path=ppt/slides/slide5.xml><?xml version="1.0" encoding="utf-8"?>
 <p:sld xmlns:a="http://schemas.openxmlformats.org/drawingml/2006/main" xmlns:r="http://schemas.openxmlformats.org/officeDocument/2006/relationships" xmlns:p="http://schemas.openxmlformats.org/presentationml/2006/main">
   <p:cSld>
     <p:bg>
@@ -11983,7 +12705,7 @@
 </p:sld>
 </file>
 
-<file path=ppt/slides/slide5.xml><?xml version="1.0" encoding="utf-8"?>
+<file path=ppt/slides/slide6.xml><?xml version="1.0" encoding="utf-8"?>
 <p:sld xmlns:a="http://schemas.openxmlformats.org/drawingml/2006/main" xmlns:r="http://schemas.openxmlformats.org/officeDocument/2006/relationships" xmlns:p="http://schemas.openxmlformats.org/presentationml/2006/main">
   <p:cSld>
     <p:bg>
@@ -12422,7 +13144,7 @@
 </p:sld>
 </file>
 
-<file path=ppt/slides/slide6.xml><?xml version="1.0" encoding="utf-8"?>
+<file path=ppt/slides/slide7.xml><?xml version="1.0" encoding="utf-8"?>
 <p:sld xmlns:a="http://schemas.openxmlformats.org/drawingml/2006/main" xmlns:r="http://schemas.openxmlformats.org/officeDocument/2006/relationships" xmlns:p="http://schemas.openxmlformats.org/presentationml/2006/main">
   <p:cSld>
     <p:bg>
@@ -12631,7 +13353,7 @@
 </p:sld>
 </file>
 
-<file path=ppt/slides/slide7.xml><?xml version="1.0" encoding="utf-8"?>
+<file path=ppt/slides/slide8.xml><?xml version="1.0" encoding="utf-8"?>
 <p:sld xmlns:a="http://schemas.openxmlformats.org/drawingml/2006/main" xmlns:r="http://schemas.openxmlformats.org/officeDocument/2006/relationships" xmlns:p="http://schemas.openxmlformats.org/presentationml/2006/main">
   <p:cSld>
     <p:bg>
@@ -12840,7 +13562,7 @@
 </p:sld>
 </file>
 
-<file path=ppt/slides/slide8.xml><?xml version="1.0" encoding="utf-8"?>
+<file path=ppt/slides/slide9.xml><?xml version="1.0" encoding="utf-8"?>
 <p:sld xmlns:a="http://schemas.openxmlformats.org/drawingml/2006/main" xmlns:r="http://schemas.openxmlformats.org/officeDocument/2006/relationships" xmlns:p="http://schemas.openxmlformats.org/presentationml/2006/main">
   <p:cSld>
     <p:bg>
@@ -13492,498 +14214,6 @@
     <p:extLst>
       <p:ext uri="{BB962C8B-B14F-4D97-AF65-F5344CB8AC3E}">
         <p14:creationId xmlns:p14="http://schemas.microsoft.com/office/powerpoint/2010/main" val="880875993"/>
-      </p:ext>
-    </p:extLst>
-  </p:cSld>
-  <p:clrMapOvr>
-    <a:masterClrMapping/>
-  </p:clrMapOvr>
-</p:sld>
-</file>
-
-<file path=ppt/slides/slide9.xml><?xml version="1.0" encoding="utf-8"?>
-<p:sld xmlns:a="http://schemas.openxmlformats.org/drawingml/2006/main" xmlns:r="http://schemas.openxmlformats.org/officeDocument/2006/relationships" xmlns:p="http://schemas.openxmlformats.org/presentationml/2006/main">
-  <p:cSld>
-    <p:bg>
-      <p:bgPr>
-        <a:solidFill>
-          <a:schemeClr val="bg1"/>
-        </a:solidFill>
-        <a:effectLst/>
-      </p:bgPr>
-    </p:bg>
-    <p:spTree>
-      <p:nvGrpSpPr>
-        <p:cNvPr id="1" name=""/>
-        <p:cNvGrpSpPr/>
-        <p:nvPr/>
-      </p:nvGrpSpPr>
-      <p:grpSpPr>
-        <a:xfrm>
-          <a:off x="0" y="0"/>
-          <a:ext cx="0" cy="0"/>
-          <a:chOff x="0" y="0"/>
-          <a:chExt cx="0" cy="0"/>
-        </a:xfrm>
-      </p:grpSpPr>
-      <p:sp useBgFill="1">
-        <p:nvSpPr>
-          <p:cNvPr id="8" name="Rectangle 7">
-            <a:extLst>
-              <a:ext uri="{FF2B5EF4-FFF2-40B4-BE49-F238E27FC236}">
-                <a16:creationId xmlns:a16="http://schemas.microsoft.com/office/drawing/2014/main" id="{ABC4E351-C4D0-4D23-BEA8-3136F7E47D75}"/>
-              </a:ext>
-              <a:ext uri="{C183D7F6-B498-43B3-948B-1728B52AA6E4}">
-                <adec:decorative xmlns:adec="http://schemas.microsoft.com/office/drawing/2017/decorative" val="1"/>
-              </a:ext>
-            </a:extLst>
-          </p:cNvPr>
-          <p:cNvSpPr>
-            <a:spLocks noGrp="1" noRot="1" noChangeAspect="1" noMove="1" noResize="1" noEditPoints="1" noAdjustHandles="1" noChangeArrowheads="1" noChangeShapeType="1" noTextEdit="1"/>
-          </p:cNvSpPr>
-          <p:nvPr>
-            <p:extLst>
-              <p:ext uri="{386F3935-93C4-4BCD-93E2-E3B085C9AB24}">
-                <p16:designElem xmlns:p16="http://schemas.microsoft.com/office/powerpoint/2015/main" val="1"/>
-              </p:ext>
-            </p:extLst>
-          </p:nvPr>
-        </p:nvSpPr>
-        <p:spPr>
-          <a:xfrm>
-            <a:off x="0" y="0"/>
-            <a:ext cx="12192000" cy="6858000"/>
-          </a:xfrm>
-          <a:prstGeom prst="rect">
-            <a:avLst/>
-          </a:prstGeom>
-          <a:ln w="12700" cap="flat" cmpd="sng" algn="ctr">
-            <a:noFill/>
-            <a:prstDash val="solid"/>
-            <a:miter lim="800000"/>
-          </a:ln>
-          <a:effectLst/>
-          <a:extLst>
-            <a:ext uri="{91240B29-F687-4F45-9708-019B960494DF}">
-              <a14:hiddenLine xmlns:a14="http://schemas.microsoft.com/office/drawing/2010/main" w="12700" cap="flat" cmpd="sng" algn="ctr">
-                <a:solidFill>
-                  <a:schemeClr val="accent1">
-                    <a:shade val="50000"/>
-                  </a:schemeClr>
-                </a:solidFill>
-                <a:prstDash val="solid"/>
-                <a:miter lim="800000"/>
-              </a14:hiddenLine>
-            </a:ext>
-          </a:extLst>
-        </p:spPr>
-        <p:style>
-          <a:lnRef idx="2">
-            <a:schemeClr val="accent1">
-              <a:shade val="50000"/>
-            </a:schemeClr>
-          </a:lnRef>
-          <a:fillRef idx="1">
-            <a:schemeClr val="accent1"/>
-          </a:fillRef>
-          <a:effectRef idx="0">
-            <a:schemeClr val="accent1"/>
-          </a:effectRef>
-          <a:fontRef idx="minor">
-            <a:schemeClr val="lt1"/>
-          </a:fontRef>
-        </p:style>
-        <p:txBody>
-          <a:bodyPr rtlCol="0" anchor="ctr"/>
-          <a:lstStyle/>
-          <a:p>
-            <a:pPr algn="ctr"/>
-            <a:endParaRPr lang="en-US"/>
-          </a:p>
-        </p:txBody>
-      </p:sp>
-      <p:grpSp>
-        <p:nvGrpSpPr>
-          <p:cNvPr id="10" name="Group 9">
-            <a:extLst>
-              <a:ext uri="{FF2B5EF4-FFF2-40B4-BE49-F238E27FC236}">
-                <a16:creationId xmlns:a16="http://schemas.microsoft.com/office/drawing/2014/main" id="{B2D95578-3010-40A8-9EE1-D6D43C23301A}"/>
-              </a:ext>
-              <a:ext uri="{C183D7F6-B498-43B3-948B-1728B52AA6E4}">
-                <adec:decorative xmlns:adec="http://schemas.microsoft.com/office/drawing/2017/decorative" val="1"/>
-              </a:ext>
-            </a:extLst>
-          </p:cNvPr>
-          <p:cNvGrpSpPr>
-            <a:grpSpLocks noGrp="1" noUngrp="1" noRot="1" noChangeAspect="1" noMove="1" noResize="1"/>
-          </p:cNvGrpSpPr>
-          <p:nvPr>
-            <p:extLst>
-              <p:ext uri="{386F3935-93C4-4BCD-93E2-E3B085C9AB24}">
-                <p16:designElem xmlns:p16="http://schemas.microsoft.com/office/powerpoint/2015/main" val="1"/>
-              </p:ext>
-            </p:extLst>
-          </p:nvPr>
-        </p:nvGrpSpPr>
-        <p:grpSpPr>
-          <a:xfrm>
-            <a:off x="0" y="0"/>
-            <a:ext cx="12192000" cy="6858000"/>
-            <a:chOff x="0" y="0"/>
-            <a:chExt cx="12192000" cy="6858000"/>
-          </a:xfrm>
-        </p:grpSpPr>
-        <p:sp>
-          <p:nvSpPr>
-            <p:cNvPr id="11" name="Rectangle 10">
-              <a:extLst>
-                <a:ext uri="{FF2B5EF4-FFF2-40B4-BE49-F238E27FC236}">
-                  <a16:creationId xmlns:a16="http://schemas.microsoft.com/office/drawing/2014/main" id="{32A4E3E5-F2E4-4F3C-85FD-5523DEF573EA}"/>
-                </a:ext>
-                <a:ext uri="{C183D7F6-B498-43B3-948B-1728B52AA6E4}">
-                  <adec:decorative xmlns:adec="http://schemas.microsoft.com/office/drawing/2017/decorative" val="1"/>
-                </a:ext>
-              </a:extLst>
-            </p:cNvPr>
-            <p:cNvSpPr/>
-            <p:nvPr>
-              <p:extLst>
-                <p:ext uri="{386F3935-93C4-4BCD-93E2-E3B085C9AB24}">
-                  <p16:designElem xmlns:p16="http://schemas.microsoft.com/office/powerpoint/2015/main" val="1"/>
-                </p:ext>
-              </p:extLst>
-            </p:nvPr>
-          </p:nvSpPr>
-          <p:spPr>
-            <a:xfrm>
-              <a:off x="0" y="0"/>
-              <a:ext cx="12192000" cy="6858000"/>
-            </a:xfrm>
-            <a:prstGeom prst="rect">
-              <a:avLst/>
-            </a:prstGeom>
-            <a:solidFill>
-              <a:schemeClr val="bg1">
-                <a:lumMod val="95000"/>
-              </a:schemeClr>
-            </a:solidFill>
-            <a:ln>
-              <a:noFill/>
-            </a:ln>
-          </p:spPr>
-          <p:style>
-            <a:lnRef idx="2">
-              <a:schemeClr val="accent1">
-                <a:shade val="50000"/>
-              </a:schemeClr>
-            </a:lnRef>
-            <a:fillRef idx="1">
-              <a:schemeClr val="accent1"/>
-            </a:fillRef>
-            <a:effectRef idx="0">
-              <a:schemeClr val="accent1"/>
-            </a:effectRef>
-            <a:fontRef idx="minor">
-              <a:schemeClr val="lt1"/>
-            </a:fontRef>
-          </p:style>
-          <p:txBody>
-            <a:bodyPr rtlCol="0" anchor="ctr"/>
-            <a:lstStyle/>
-            <a:p>
-              <a:pPr algn="ctr"/>
-              <a:endParaRPr lang="en-US" dirty="0"/>
-            </a:p>
-          </p:txBody>
-        </p:sp>
-        <p:sp>
-          <p:nvSpPr>
-            <p:cNvPr id="12" name="Rectangle 11">
-              <a:extLst>
-                <a:ext uri="{FF2B5EF4-FFF2-40B4-BE49-F238E27FC236}">
-                  <a16:creationId xmlns:a16="http://schemas.microsoft.com/office/drawing/2014/main" id="{0EE05FDD-CC3B-45C8-9CE2-0C93D863E4A6}"/>
-                </a:ext>
-                <a:ext uri="{C183D7F6-B498-43B3-948B-1728B52AA6E4}">
-                  <adec:decorative xmlns:adec="http://schemas.microsoft.com/office/drawing/2017/decorative" val="1"/>
-                </a:ext>
-              </a:extLst>
-            </p:cNvPr>
-            <p:cNvSpPr/>
-            <p:nvPr>
-              <p:extLst>
-                <p:ext uri="{386F3935-93C4-4BCD-93E2-E3B085C9AB24}">
-                  <p16:designElem xmlns:p16="http://schemas.microsoft.com/office/powerpoint/2015/main" val="1"/>
-                </p:ext>
-              </p:extLst>
-            </p:nvPr>
-          </p:nvSpPr>
-          <p:spPr>
-            <a:xfrm>
-              <a:off x="0" y="0"/>
-              <a:ext cx="12192000" cy="6858000"/>
-            </a:xfrm>
-            <a:prstGeom prst="rect">
-              <a:avLst/>
-            </a:prstGeom>
-            <a:solidFill>
-              <a:schemeClr val="accent4">
-                <a:lumMod val="75000"/>
-                <a:alpha val="7000"/>
-              </a:schemeClr>
-            </a:solidFill>
-            <a:ln>
-              <a:noFill/>
-            </a:ln>
-          </p:spPr>
-          <p:style>
-            <a:lnRef idx="2">
-              <a:schemeClr val="accent1">
-                <a:shade val="50000"/>
-              </a:schemeClr>
-            </a:lnRef>
-            <a:fillRef idx="1">
-              <a:schemeClr val="accent1"/>
-            </a:fillRef>
-            <a:effectRef idx="0">
-              <a:schemeClr val="accent1"/>
-            </a:effectRef>
-            <a:fontRef idx="minor">
-              <a:schemeClr val="lt1"/>
-            </a:fontRef>
-          </p:style>
-          <p:txBody>
-            <a:bodyPr rtlCol="0" anchor="ctr"/>
-            <a:lstStyle/>
-            <a:p>
-              <a:pPr algn="ctr"/>
-              <a:endParaRPr lang="en-US" dirty="0"/>
-            </a:p>
-          </p:txBody>
-        </p:sp>
-      </p:grpSp>
-      <p:sp>
-        <p:nvSpPr>
-          <p:cNvPr id="14" name="Rectangle 13">
-            <a:extLst>
-              <a:ext uri="{FF2B5EF4-FFF2-40B4-BE49-F238E27FC236}">
-                <a16:creationId xmlns:a16="http://schemas.microsoft.com/office/drawing/2014/main" id="{D16CFDC4-DE7D-4153-89C5-608818994740}"/>
-              </a:ext>
-              <a:ext uri="{C183D7F6-B498-43B3-948B-1728B52AA6E4}">
-                <adec:decorative xmlns:adec="http://schemas.microsoft.com/office/drawing/2017/decorative" val="1"/>
-              </a:ext>
-            </a:extLst>
-          </p:cNvPr>
-          <p:cNvSpPr>
-            <a:spLocks noGrp="1" noRot="1" noChangeAspect="1" noMove="1" noResize="1" noEditPoints="1" noAdjustHandles="1" noChangeArrowheads="1" noChangeShapeType="1" noTextEdit="1"/>
-          </p:cNvSpPr>
-          <p:nvPr>
-            <p:extLst>
-              <p:ext uri="{386F3935-93C4-4BCD-93E2-E3B085C9AB24}">
-                <p16:designElem xmlns:p16="http://schemas.microsoft.com/office/powerpoint/2015/main" val="1"/>
-              </p:ext>
-            </p:extLst>
-          </p:nvPr>
-        </p:nvSpPr>
-        <p:spPr>
-          <a:xfrm flipH="1" flipV="1">
-            <a:off x="2279650" y="-7"/>
-            <a:ext cx="9909174" cy="6857997"/>
-          </a:xfrm>
-          <a:prstGeom prst="rect">
-            <a:avLst/>
-          </a:prstGeom>
-          <a:solidFill>
-            <a:schemeClr val="bg1">
-              <a:alpha val="80000"/>
-            </a:schemeClr>
-          </a:solidFill>
-          <a:ln>
-            <a:noFill/>
-          </a:ln>
-        </p:spPr>
-        <p:style>
-          <a:lnRef idx="2">
-            <a:schemeClr val="accent1">
-              <a:shade val="50000"/>
-            </a:schemeClr>
-          </a:lnRef>
-          <a:fillRef idx="1">
-            <a:schemeClr val="accent1"/>
-          </a:fillRef>
-          <a:effectRef idx="0">
-            <a:schemeClr val="accent1"/>
-          </a:effectRef>
-          <a:fontRef idx="minor">
-            <a:schemeClr val="lt1"/>
-          </a:fontRef>
-        </p:style>
-        <p:txBody>
-          <a:bodyPr rot="0" spcFirstLastPara="0" vertOverflow="overflow" horzOverflow="overflow" vert="horz" wrap="square" lIns="91440" tIns="45720" rIns="91440" bIns="45720" numCol="1" spcCol="0" rtlCol="0" fromWordArt="0" anchor="ctr" anchorCtr="0" forceAA="0" compatLnSpc="1">
-            <a:prstTxWarp prst="textNoShape">
-              <a:avLst/>
-            </a:prstTxWarp>
-            <a:noAutofit/>
-          </a:bodyPr>
-          <a:lstStyle/>
-          <a:p>
-            <a:pPr algn="ctr"/>
-            <a:endParaRPr lang="en-US">
-              <a:solidFill>
-                <a:schemeClr val="tx1"/>
-              </a:solidFill>
-            </a:endParaRPr>
-          </a:p>
-        </p:txBody>
-      </p:sp>
-      <p:sp>
-        <p:nvSpPr>
-          <p:cNvPr id="2" name="Title 1">
-            <a:extLst>
-              <a:ext uri="{FF2B5EF4-FFF2-40B4-BE49-F238E27FC236}">
-                <a16:creationId xmlns:a16="http://schemas.microsoft.com/office/drawing/2014/main" id="{95B03D47-9AD8-B54B-7936-FEB9DABFCFBA}"/>
-              </a:ext>
-            </a:extLst>
-          </p:cNvPr>
-          <p:cNvSpPr>
-            <a:spLocks noGrp="1"/>
-          </p:cNvSpPr>
-          <p:nvPr>
-            <p:ph type="title"/>
-          </p:nvPr>
-        </p:nvSpPr>
-        <p:spPr>
-          <a:xfrm>
-            <a:off x="2852737" y="1001484"/>
-            <a:ext cx="6483351" cy="843191"/>
-          </a:xfrm>
-        </p:spPr>
-        <p:txBody>
-          <a:bodyPr anchor="t">
-            <a:normAutofit/>
-          </a:bodyPr>
-          <a:lstStyle/>
-          <a:p>
-            <a:r>
-              <a:rPr lang="en-US" sz="2200"/>
-              <a:t>Preprocessing</a:t>
-            </a:r>
-          </a:p>
-        </p:txBody>
-      </p:sp>
-      <p:sp>
-        <p:nvSpPr>
-          <p:cNvPr id="3" name="Content Placeholder 2">
-            <a:extLst>
-              <a:ext uri="{FF2B5EF4-FFF2-40B4-BE49-F238E27FC236}">
-                <a16:creationId xmlns:a16="http://schemas.microsoft.com/office/drawing/2014/main" id="{CE0ECC63-8D0E-8A17-9F91-BA0B525DF6C9}"/>
-              </a:ext>
-            </a:extLst>
-          </p:cNvPr>
-          <p:cNvSpPr>
-            <a:spLocks noGrp="1"/>
-          </p:cNvSpPr>
-          <p:nvPr>
-            <p:ph idx="1"/>
-          </p:nvPr>
-        </p:nvSpPr>
-        <p:spPr>
-          <a:xfrm>
-            <a:off x="2855913" y="2300513"/>
-            <a:ext cx="6480175" cy="3526973"/>
-          </a:xfrm>
-        </p:spPr>
-        <p:txBody>
-          <a:bodyPr anchor="t">
-            <a:normAutofit/>
-          </a:bodyPr>
-          <a:lstStyle/>
-          <a:p>
-            <a:r>
-              <a:rPr lang="en-US" sz="2000">
-                <a:solidFill>
-                  <a:schemeClr val="tx1">
-                    <a:alpha val="60000"/>
-                  </a:schemeClr>
-                </a:solidFill>
-              </a:rPr>
-              <a:t>Feature Selection</a:t>
-            </a:r>
-          </a:p>
-          <a:p>
-            <a:r>
-              <a:rPr lang="en-US" sz="2000">
-                <a:solidFill>
-                  <a:schemeClr val="tx1">
-                    <a:alpha val="60000"/>
-                  </a:schemeClr>
-                </a:solidFill>
-              </a:rPr>
-              <a:t>Splitting Data into X and y</a:t>
-            </a:r>
-          </a:p>
-          <a:p>
-            <a:r>
-              <a:rPr lang="en-US" sz="2000">
-                <a:solidFill>
-                  <a:schemeClr val="tx1">
-                    <a:alpha val="60000"/>
-                  </a:schemeClr>
-                </a:solidFill>
-              </a:rPr>
-              <a:t>Oversampling</a:t>
-            </a:r>
-          </a:p>
-          <a:p>
-            <a:r>
-              <a:rPr lang="en-US" sz="2000">
-                <a:solidFill>
-                  <a:schemeClr val="tx1">
-                    <a:alpha val="60000"/>
-                  </a:schemeClr>
-                </a:solidFill>
-              </a:rPr>
-              <a:t>Splitting dataset into numerical and categorical</a:t>
-            </a:r>
-          </a:p>
-          <a:p>
-            <a:r>
-              <a:rPr lang="en-US" sz="2000">
-                <a:solidFill>
-                  <a:schemeClr val="tx1">
-                    <a:alpha val="60000"/>
-                  </a:schemeClr>
-                </a:solidFill>
-              </a:rPr>
-              <a:t>Feature Scaling</a:t>
-            </a:r>
-          </a:p>
-          <a:p>
-            <a:r>
-              <a:rPr lang="en-US" sz="2000">
-                <a:solidFill>
-                  <a:schemeClr val="tx1">
-                    <a:alpha val="60000"/>
-                  </a:schemeClr>
-                </a:solidFill>
-              </a:rPr>
-              <a:t>Feature Encoding</a:t>
-            </a:r>
-          </a:p>
-          <a:p>
-            <a:endParaRPr lang="en-US" sz="2000">
-              <a:solidFill>
-                <a:schemeClr val="tx1">
-                  <a:alpha val="60000"/>
-                </a:schemeClr>
-              </a:solidFill>
-            </a:endParaRPr>
-          </a:p>
-        </p:txBody>
-      </p:sp>
-    </p:spTree>
-    <p:extLst>
-      <p:ext uri="{BB962C8B-B14F-4D97-AF65-F5344CB8AC3E}">
-        <p14:creationId xmlns:p14="http://schemas.microsoft.com/office/powerpoint/2010/main" val="1306584012"/>
       </p:ext>
     </p:extLst>
   </p:cSld>
